--- a/DataTypes/1.Java - Типове данни.pptx
+++ b/DataTypes/1.Java - Типове данни.pptx
@@ -51,16 +51,16 @@
   <p:notesSz cx="6858000" cy="9144000"/>
   <p:embeddedFontLst>
     <p:embeddedFont>
-      <p:font typeface="Calibri" panose="020F0502020204030204" pitchFamily="34" charset="0"/>
+      <p:font typeface="Syncopate" panose="020B0604020202020204" charset="0"/>
       <p:regular r:id="rId41"/>
       <p:bold r:id="rId42"/>
-      <p:italic r:id="rId43"/>
-      <p:boldItalic r:id="rId44"/>
     </p:embeddedFont>
     <p:embeddedFont>
-      <p:font typeface="Syncopate" panose="020B0604020202020204" charset="0"/>
-      <p:regular r:id="rId45"/>
-      <p:bold r:id="rId46"/>
+      <p:font typeface="Calibri" panose="020F0502020204030204" pitchFamily="34" charset="0"/>
+      <p:regular r:id="rId43"/>
+      <p:bold r:id="rId44"/>
+      <p:italic r:id="rId45"/>
+      <p:boldItalic r:id="rId46"/>
     </p:embeddedFont>
   </p:embeddedFontLst>
   <p:defaultTextStyle>
@@ -13564,15 +13564,7 @@
             </a:pPr>
             <a:r>
               <a:rPr lang="bg-BG" dirty="0" smtClean="0"/>
-              <a:t>н</a:t>
-            </a:r>
-            <a:r>
-              <a:rPr lang="bg-BG" dirty="0" smtClean="0"/>
-              <a:t>омер </a:t>
-            </a:r>
-            <a:r>
-              <a:rPr lang="bg-BG" dirty="0" smtClean="0"/>
-              <a:t>на кредитна карта</a:t>
+              <a:t>номер на кредитна карта</a:t>
             </a:r>
           </a:p>
           <a:p>

--- a/DataTypes/1.Java - Типове данни.pptx
+++ b/DataTypes/1.Java - Типове данни.pptx
@@ -51,16 +51,16 @@
   <p:notesSz cx="6858000" cy="9144000"/>
   <p:embeddedFontLst>
     <p:embeddedFont>
-      <p:font typeface="Syncopate" panose="020B0604020202020204" charset="0"/>
+      <p:font typeface="Calibri" panose="020F0502020204030204" pitchFamily="34" charset="0"/>
       <p:regular r:id="rId41"/>
       <p:bold r:id="rId42"/>
+      <p:italic r:id="rId43"/>
+      <p:boldItalic r:id="rId44"/>
     </p:embeddedFont>
     <p:embeddedFont>
-      <p:font typeface="Calibri" panose="020F0502020204030204" pitchFamily="34" charset="0"/>
-      <p:regular r:id="rId43"/>
-      <p:bold r:id="rId44"/>
-      <p:italic r:id="rId45"/>
-      <p:boldItalic r:id="rId46"/>
+      <p:font typeface="Syncopate" panose="020B0604020202020204" charset="0"/>
+      <p:regular r:id="rId45"/>
+      <p:bold r:id="rId46"/>
     </p:embeddedFont>
   </p:embeddedFontLst>
   <p:defaultTextStyle>
@@ -14022,7 +14022,143 @@
               <a:rPr lang="bg-BG" dirty="0" smtClean="0"/>
               <a:t>Напишете програма, която принтира равностранен триъгълник от символи ©. Нека триъгълника има страна поне 3 символа. Възможно е този символ да не излиза правилно на конзолата.</a:t>
             </a:r>
-            <a:endParaRPr lang="bg-BG" dirty="0"/>
+            <a:endParaRPr lang="en-US" dirty="0" smtClean="0"/>
+          </a:p>
+          <a:p>
+            <a:pPr lvl="0"/>
+            <a:endParaRPr lang="en-US" dirty="0"/>
+          </a:p>
+          <a:p>
+            <a:pPr lvl="0"/>
+            <a:endParaRPr lang="en-US" dirty="0" smtClean="0"/>
+          </a:p>
+          <a:p>
+            <a:pPr lvl="0"/>
+            <a:endParaRPr lang="en-US" dirty="0"/>
+          </a:p>
+          <a:p>
+            <a:pPr lvl="0"/>
+            <a:endParaRPr lang="en-US" dirty="0" smtClean="0"/>
+          </a:p>
+          <a:p>
+            <a:pPr lvl="0"/>
+            <a:r>
+              <a:rPr lang="ru-RU" dirty="0" smtClean="0">
+                <a:solidFill>
+                  <a:schemeClr val="bg1">
+                    <a:lumMod val="50000"/>
+                  </a:schemeClr>
+                </a:solidFill>
+              </a:rPr>
+              <a:t>Подсказка:</a:t>
+            </a:r>
+            <a:r>
+              <a:rPr lang="en-US" dirty="0">
+                <a:solidFill>
+                  <a:schemeClr val="bg1">
+                    <a:lumMod val="50000"/>
+                  </a:schemeClr>
+                </a:solidFill>
+              </a:rPr>
+              <a:t> </a:t>
+            </a:r>
+            <a:r>
+              <a:rPr lang="en-US" dirty="0" smtClean="0">
+                <a:solidFill>
+                  <a:schemeClr val="bg1">
+                    <a:lumMod val="50000"/>
+                  </a:schemeClr>
+                </a:solidFill>
+              </a:rPr>
+              <a:t>Unicode </a:t>
+            </a:r>
+            <a:r>
+              <a:rPr lang="en-US" dirty="0">
+                <a:solidFill>
+                  <a:schemeClr val="bg1">
+                    <a:lumMod val="50000"/>
+                  </a:schemeClr>
+                </a:solidFill>
+              </a:rPr>
+              <a:t>value of </a:t>
+            </a:r>
+            <a:r>
+              <a:rPr lang="en-US" dirty="0">
+                <a:solidFill>
+                  <a:schemeClr val="bg1">
+                    <a:lumMod val="50000"/>
+                  </a:schemeClr>
+                </a:solidFill>
+              </a:rPr>
+              <a:t>C</a:t>
+            </a:r>
+            <a:r>
+              <a:rPr lang="en-US" dirty="0" smtClean="0">
+                <a:solidFill>
+                  <a:schemeClr val="bg1">
+                    <a:lumMod val="50000"/>
+                  </a:schemeClr>
+                </a:solidFill>
+              </a:rPr>
+              <a:t>opyright (</a:t>
+            </a:r>
+            <a:r>
+              <a:rPr lang="bg-BG" dirty="0" smtClean="0">
+                <a:solidFill>
+                  <a:schemeClr val="bg1">
+                    <a:lumMod val="50000"/>
+                  </a:schemeClr>
+                </a:solidFill>
+              </a:rPr>
+              <a:t>©</a:t>
+            </a:r>
+            <a:r>
+              <a:rPr lang="en-US" dirty="0" smtClean="0">
+                <a:solidFill>
+                  <a:schemeClr val="bg1">
+                    <a:lumMod val="50000"/>
+                  </a:schemeClr>
+                </a:solidFill>
+              </a:rPr>
+              <a:t>) char </a:t>
+            </a:r>
+            <a:r>
+              <a:rPr lang="en-US" dirty="0" smtClean="0">
+                <a:solidFill>
+                  <a:schemeClr val="bg1">
+                    <a:lumMod val="50000"/>
+                  </a:schemeClr>
+                </a:solidFill>
+              </a:rPr>
+              <a:t>is: ‘</a:t>
+            </a:r>
+            <a:r>
+              <a:rPr lang="en-US" dirty="0">
+                <a:solidFill>
+                  <a:schemeClr val="bg1">
+                    <a:lumMod val="50000"/>
+                  </a:schemeClr>
+                </a:solidFill>
+              </a:rPr>
+              <a:t>\u00A9</a:t>
+            </a:r>
+            <a:r>
+              <a:rPr lang="en-US" dirty="0" smtClean="0">
+                <a:solidFill>
+                  <a:schemeClr val="bg1">
+                    <a:lumMod val="50000"/>
+                  </a:schemeClr>
+                </a:solidFill>
+              </a:rPr>
+              <a:t>’</a:t>
+            </a:r>
+            <a:endParaRPr lang="bg-BG" dirty="0">
+              <a:solidFill>
+                <a:schemeClr val="bg1">
+                  <a:lumMod val="50000"/>
+                </a:schemeClr>
+              </a:solidFill>
+            </a:endParaRPr>
           </a:p>
         </p:txBody>
       </p:sp>
